--- a/PPT/찍어봅서.pptx
+++ b/PPT/찍어봅서.pptx
@@ -1,31 +1,31 @@
 
 <file path=ppt/presentation.xml><?xml version="1.0" encoding="utf-8"?>
-<p:presentation xmlns:a="http://schemas.openxmlformats.org/drawingml/2006/main" xmlns:r="http://schemas.openxmlformats.org/officeDocument/2006/relationships" xmlns:p="http://schemas.openxmlformats.org/presentationml/2006/main" saveSubsetFonts="1">
+<p:presentation xmlns:r="http://schemas.openxmlformats.org/officeDocument/2006/relationships" xmlns:c="http://schemas.openxmlformats.org/drawingml/2006/chart" xmlns:a="http://schemas.openxmlformats.org/drawingml/2006/main" xmlns:dgm="http://schemas.openxmlformats.org/drawingml/2006/diagram" xmlns:dsp="http://schemas.microsoft.com/office/drawing/2008/diagram" xmlns:p="http://schemas.openxmlformats.org/presentationml/2006/main">
   <p:sldMasterIdLst>
-    <p:sldMasterId id="2147483741" r:id="rId1"/>
+    <p:sldMasterId id="2147483736" r:id="rId1"/>
   </p:sldMasterIdLst>
   <p:notesMasterIdLst>
-    <p:notesMasterId r:id="rId20"/>
+    <p:notesMasterId r:id="rId2"/>
   </p:notesMasterIdLst>
   <p:sldIdLst>
-    <p:sldId id="256" r:id="rId2"/>
-    <p:sldId id="257" r:id="rId3"/>
-    <p:sldId id="283" r:id="rId4"/>
-    <p:sldId id="294" r:id="rId5"/>
-    <p:sldId id="285" r:id="rId6"/>
-    <p:sldId id="282" r:id="rId7"/>
-    <p:sldId id="258" r:id="rId8"/>
-    <p:sldId id="295" r:id="rId9"/>
-    <p:sldId id="273" r:id="rId10"/>
-    <p:sldId id="262" r:id="rId11"/>
-    <p:sldId id="287" r:id="rId12"/>
-    <p:sldId id="280" r:id="rId13"/>
-    <p:sldId id="288" r:id="rId14"/>
-    <p:sldId id="286" r:id="rId15"/>
-    <p:sldId id="293" r:id="rId16"/>
-    <p:sldId id="292" r:id="rId17"/>
-    <p:sldId id="291" r:id="rId18"/>
-    <p:sldId id="281" r:id="rId19"/>
+    <p:sldId id="256" r:id="rId3"/>
+    <p:sldId id="257" r:id="rId4"/>
+    <p:sldId id="283" r:id="rId5"/>
+    <p:sldId id="294" r:id="rId6"/>
+    <p:sldId id="285" r:id="rId7"/>
+    <p:sldId id="282" r:id="rId8"/>
+    <p:sldId id="258" r:id="rId9"/>
+    <p:sldId id="295" r:id="rId10"/>
+    <p:sldId id="273" r:id="rId11"/>
+    <p:sldId id="262" r:id="rId12"/>
+    <p:sldId id="287" r:id="rId13"/>
+    <p:sldId id="280" r:id="rId14"/>
+    <p:sldId id="288" r:id="rId15"/>
+    <p:sldId id="286" r:id="rId16"/>
+    <p:sldId id="293" r:id="rId17"/>
+    <p:sldId id="292" r:id="rId18"/>
+    <p:sldId id="291" r:id="rId19"/>
+    <p:sldId id="281" r:id="rId20"/>
   </p:sldIdLst>
   <p:sldSz cx="9906000" cy="6858000" type="A4"/>
   <p:notesSz cx="6858000" cy="9144000"/>
@@ -124,56 +124,11 @@
       </a:defRPr>
     </a:lvl9pPr>
   </p:defaultTextStyle>
-  <p:extLst>
-    <p:ext uri="{EFAFB233-063F-42B5-8137-9DF3F51BA10A}">
-      <p15:sldGuideLst xmlns:p15="http://schemas.microsoft.com/office/powerpoint/2012/main">
-        <p15:guide id="1" orient="horz" pos="2159">
-          <p15:clr>
-            <a:srgbClr val="A4A3A4"/>
-          </p15:clr>
-        </p15:guide>
-        <p15:guide id="2" orient="horz" pos="1267">
-          <p15:clr>
-            <a:srgbClr val="A4A3A4"/>
-          </p15:clr>
-        </p15:guide>
-        <p15:guide id="3" orient="horz" pos="2338">
-          <p15:clr>
-            <a:srgbClr val="A4A3A4"/>
-          </p15:clr>
-        </p15:guide>
-        <p15:guide id="4" pos="3119">
-          <p15:clr>
-            <a:srgbClr val="A4A3A4"/>
-          </p15:clr>
-        </p15:guide>
-        <p15:guide id="5" pos="6999">
-          <p15:clr>
-            <a:srgbClr val="A4A3A4"/>
-          </p15:clr>
-        </p15:guide>
-      </p15:sldGuideLst>
-    </p:ext>
-    <p:ext uri="{2D200454-40CA-4A62-9FC3-DE9A4176ACB9}">
-      <p15:notesGuideLst xmlns:p15="http://schemas.microsoft.com/office/powerpoint/2012/main">
-        <p15:guide id="1" orient="horz" pos="2879">
-          <p15:clr>
-            <a:srgbClr val="A4A3A4"/>
-          </p15:clr>
-        </p15:guide>
-        <p15:guide id="2" pos="2159">
-          <p15:clr>
-            <a:srgbClr val="A4A3A4"/>
-          </p15:clr>
-        </p15:guide>
-      </p15:notesGuideLst>
-    </p:ext>
-  </p:extLst>
 </p:presentation>
 </file>
 
 <file path=ppt/notesMasters/notesMaster1.xml><?xml version="1.0" encoding="utf-8"?>
-<p:notesMaster xmlns:a="http://schemas.openxmlformats.org/drawingml/2006/main" xmlns:r="http://schemas.openxmlformats.org/officeDocument/2006/relationships" xmlns:p="http://schemas.openxmlformats.org/presentationml/2006/main">
+<p:notesMaster xmlns:r="http://schemas.openxmlformats.org/officeDocument/2006/relationships" xmlns:c="http://schemas.openxmlformats.org/drawingml/2006/chart" xmlns:a="http://schemas.openxmlformats.org/drawingml/2006/main" xmlns:dgm="http://schemas.openxmlformats.org/drawingml/2006/diagram" xmlns:dsp="http://schemas.microsoft.com/office/drawing/2008/diagram" xmlns:p="http://schemas.openxmlformats.org/presentationml/2006/main">
   <p:cSld>
     <p:bg>
       <p:bgRef idx="1001">
@@ -201,7 +156,7 @@
             <a:spLocks noGrp="1"/>
           </p:cNvSpPr>
           <p:nvPr>
-            <p:ph type="hdr" sz="quarter"/>
+            <p:ph type="hdr" sz="quarter" idx="0"/>
           </p:nvPr>
         </p:nvSpPr>
         <p:spPr>
@@ -224,6 +179,10 @@
             <a:pPr lvl="0">
               <a:defRPr lang="ko-KR" altLang="en-US"/>
             </a:pPr>
+            <a:r>
+              <a:rPr lang="ko-KR" altLang="en-US"/>
+              <a:t/>
+            </a:r>
             <a:endParaRPr lang="ko-KR" altLang="en-US"/>
           </a:p>
         </p:txBody>
@@ -263,7 +222,7 @@
               <a:pPr lvl="0">
                 <a:defRPr lang="ko-KR" altLang="en-US"/>
               </a:pPr>
-              <a:t>2021-05-20</a:t>
+              <a:t>2021-05-21</a:t>
             </a:fld>
             <a:endParaRPr lang="ko-KR" altLang="en-US"/>
           </a:p>
@@ -335,6 +294,7 @@
               <a:rPr lang="ko-KR" altLang="en-US"/>
               <a:t>마스터 텍스트 스타일을 편집합니다</a:t>
             </a:r>
+            <a:endParaRPr lang="ko-KR" altLang="en-US"/>
           </a:p>
           <a:p>
             <a:pPr lvl="1">
@@ -344,6 +304,7 @@
               <a:rPr lang="ko-KR" altLang="en-US"/>
               <a:t>둘째 수준</a:t>
             </a:r>
+            <a:endParaRPr lang="ko-KR" altLang="en-US"/>
           </a:p>
           <a:p>
             <a:pPr lvl="2">
@@ -353,6 +314,7 @@
               <a:rPr lang="ko-KR" altLang="en-US"/>
               <a:t>셋째 수준</a:t>
             </a:r>
+            <a:endParaRPr lang="ko-KR" altLang="en-US"/>
           </a:p>
           <a:p>
             <a:pPr lvl="3">
@@ -362,6 +324,7 @@
               <a:rPr lang="ko-KR" altLang="en-US"/>
               <a:t>넷째 수준</a:t>
             </a:r>
+            <a:endParaRPr lang="ko-KR" altLang="en-US"/>
           </a:p>
           <a:p>
             <a:pPr lvl="4">
@@ -371,6 +334,7 @@
               <a:rPr lang="ko-KR" altLang="en-US"/>
               <a:t>다섯째 수준</a:t>
             </a:r>
+            <a:endParaRPr lang="ko-KR" altLang="en-US"/>
           </a:p>
         </p:txBody>
       </p:sp>
@@ -404,6 +368,10 @@
             <a:pPr lvl="0">
               <a:defRPr lang="ko-KR" altLang="en-US"/>
             </a:pPr>
+            <a:r>
+              <a:rPr lang="ko-KR" altLang="en-US"/>
+              <a:t/>
+            </a:r>
             <a:endParaRPr lang="ko-KR" altLang="en-US"/>
           </a:p>
         </p:txBody>
@@ -6619,7 +6587,7 @@
 </file>
 
 <file path=ppt/slides/slide16.xml><?xml version="1.0" encoding="utf-8"?>
-<p:sld xmlns:a="http://schemas.openxmlformats.org/drawingml/2006/main" xmlns:r="http://schemas.openxmlformats.org/officeDocument/2006/relationships" xmlns:p="http://schemas.openxmlformats.org/presentationml/2006/main">
+<p:sld xmlns:r="http://schemas.openxmlformats.org/officeDocument/2006/relationships" xmlns:c="http://schemas.openxmlformats.org/drawingml/2006/chart" xmlns:a="http://schemas.openxmlformats.org/drawingml/2006/main" xmlns:dgm="http://schemas.openxmlformats.org/drawingml/2006/diagram" xmlns:dsp="http://schemas.microsoft.com/office/drawing/2008/diagram" xmlns:p="http://schemas.openxmlformats.org/presentationml/2006/main">
   <p:cSld>
     <p:spTree>
       <p:nvGrpSpPr>
@@ -6713,7 +6681,7 @@
               <a:defRPr lang="ko-KR" altLang="en-US"/>
             </a:pPr>
             <a:r>
-              <a:rPr lang="ko-KR" altLang="en-US" sz="3600" b="1" dirty="0">
+              <a:rPr lang="ko-KR" altLang="en-US" sz="3600" b="1">
                 <a:solidFill>
                   <a:schemeClr val="bg1"/>
                 </a:solidFill>
@@ -6721,6 +6689,12 @@
               </a:rPr>
               <a:t>진행 상황</a:t>
             </a:r>
+            <a:endParaRPr lang="ko-KR" altLang="en-US" sz="3600" b="1">
+              <a:solidFill>
+                <a:schemeClr val="bg1"/>
+              </a:solidFill>
+              <a:latin typeface="맑은 고딕"/>
+            </a:endParaRPr>
           </a:p>
         </p:txBody>
       </p:sp>
@@ -6785,7 +6759,7 @@
           <p:nvPr/>
         </p:nvGrpSpPr>
         <p:grpSpPr>
-          <a:xfrm>
+          <a:xfrm rot="0">
             <a:off x="8823974" y="152944"/>
             <a:ext cx="863056" cy="863056"/>
             <a:chOff x="8823974" y="152944"/>
@@ -6830,10 +6804,12 @@
             </a:fontRef>
           </p:style>
           <p:txBody>
-            <a:bodyPr rtlCol="0" anchor="ctr"/>
+            <a:bodyPr anchor="ctr"/>
             <a:lstStyle/>
             <a:p>
-              <a:pPr algn="ctr"/>
+              <a:pPr algn="ctr">
+                <a:defRPr/>
+              </a:pPr>
               <a:endParaRPr lang="ko-KR" altLang="en-US"/>
             </a:p>
           </p:txBody>
@@ -6876,10 +6852,12 @@
             </a:fontRef>
           </p:style>
           <p:txBody>
-            <a:bodyPr rtlCol="0" anchor="ctr"/>
+            <a:bodyPr anchor="ctr"/>
             <a:lstStyle/>
             <a:p>
-              <a:pPr algn="ctr"/>
+              <a:pPr algn="ctr">
+                <a:defRPr/>
+              </a:pPr>
               <a:endParaRPr lang="ko-KR" altLang="en-US"/>
             </a:p>
           </p:txBody>
@@ -6887,13 +6865,7 @@
       </p:grpSp>
       <p:sp>
         <p:nvSpPr>
-          <p:cNvPr id="12" name="직사각형 11">
-            <a:extLst>
-              <a:ext uri="{FF2B5EF4-FFF2-40B4-BE49-F238E27FC236}">
-                <a16:creationId xmlns:a16="http://schemas.microsoft.com/office/drawing/2014/main" id="{955917A4-1A91-4CEB-9912-BB7ACAB61980}"/>
-              </a:ext>
-            </a:extLst>
-          </p:cNvPr>
+          <p:cNvPr id="12" name="직사각형 11"/>
           <p:cNvSpPr/>
           <p:nvPr/>
         </p:nvSpPr>
@@ -6943,13 +6915,7 @@
       </p:sp>
       <p:sp>
         <p:nvSpPr>
-          <p:cNvPr id="3" name="TextBox 2">
-            <a:extLst>
-              <a:ext uri="{FF2B5EF4-FFF2-40B4-BE49-F238E27FC236}">
-                <a16:creationId xmlns:a16="http://schemas.microsoft.com/office/drawing/2014/main" id="{7B5A8AA8-D987-4D2B-BA72-5C823E274CE4}"/>
-              </a:ext>
-            </a:extLst>
-          </p:cNvPr>
+          <p:cNvPr id="3" name="TextBox 2"/>
           <p:cNvSpPr txBox="1"/>
           <p:nvPr/>
         </p:nvSpPr>
@@ -6964,27 +6930,25 @@
           <a:noFill/>
         </p:spPr>
         <p:txBody>
-          <a:bodyPr wrap="square" rtlCol="0">
+          <a:bodyPr wrap="square">
             <a:spAutoFit/>
           </a:bodyPr>
           <a:lstStyle/>
           <a:p>
-            <a:r>
-              <a:rPr lang="ko-KR" altLang="en-US" dirty="0"/>
+            <a:pPr lvl="0">
+              <a:defRPr/>
+            </a:pPr>
+            <a:r>
+              <a:rPr lang="ko-KR" altLang="en-US"/>
               <a:t>   </a:t>
             </a:r>
-          </a:p>
-        </p:txBody>
-      </p:sp>
-      <p:sp>
-        <p:nvSpPr>
-          <p:cNvPr id="5" name="TextBox 4">
-            <a:extLst>
-              <a:ext uri="{FF2B5EF4-FFF2-40B4-BE49-F238E27FC236}">
-                <a16:creationId xmlns:a16="http://schemas.microsoft.com/office/drawing/2014/main" id="{7446EE87-D7A4-4D02-AEE5-3F9DD64F544C}"/>
-              </a:ext>
-            </a:extLst>
-          </p:cNvPr>
+            <a:endParaRPr lang="ko-KR" altLang="en-US"/>
+          </a:p>
+        </p:txBody>
+      </p:sp>
+      <p:sp>
+        <p:nvSpPr>
+          <p:cNvPr id="5" name="TextBox 4"/>
           <p:cNvSpPr txBox="1"/>
           <p:nvPr/>
         </p:nvSpPr>
@@ -6999,34 +6963,31 @@
           <a:noFill/>
         </p:spPr>
         <p:txBody>
-          <a:bodyPr wrap="square" rtlCol="0">
+          <a:bodyPr wrap="square">
             <a:spAutoFit/>
           </a:bodyPr>
           <a:lstStyle/>
           <a:p>
+            <a:pPr lvl="0">
+              <a:defRPr/>
+            </a:pPr>
             <a:r>
               <a:rPr lang="ko-KR" altLang="en-US"/>
               <a:t>진행 현황</a:t>
             </a:r>
-            <a:endParaRPr lang="ko-KR" altLang="en-US" dirty="0"/>
+            <a:endParaRPr lang="ko-KR" altLang="en-US"/>
           </a:p>
         </p:txBody>
       </p:sp>
       <p:pic>
         <p:nvPicPr>
-          <p:cNvPr id="6" name="그림 5">
-            <a:extLst>
-              <a:ext uri="{FF2B5EF4-FFF2-40B4-BE49-F238E27FC236}">
-                <a16:creationId xmlns:a16="http://schemas.microsoft.com/office/drawing/2014/main" id="{998C1385-8A6E-40BB-AB22-CFC34509823E}"/>
-              </a:ext>
-            </a:extLst>
-          </p:cNvPr>
+          <p:cNvPr id="18450" name=""/>
           <p:cNvPicPr>
             <a:picLocks noChangeAspect="1"/>
           </p:cNvPicPr>
           <p:nvPr/>
         </p:nvPicPr>
-        <p:blipFill>
+        <p:blipFill rotWithShape="1">
           <a:blip r:embed="rId2"/>
           <a:stretch>
             <a:fillRect/>
@@ -7034,8 +6995,8 @@
         </p:blipFill>
         <p:spPr>
           <a:xfrm>
-            <a:off x="752769" y="1408057"/>
-            <a:ext cx="8379204" cy="4713302"/>
+            <a:off x="911795" y="1555872"/>
+            <a:ext cx="8082410" cy="4546355"/>
           </a:xfrm>
           <a:prstGeom prst="rect">
             <a:avLst/>
@@ -7043,16 +7004,18 @@
         </p:spPr>
       </p:pic>
     </p:spTree>
-    <p:extLst>
-      <p:ext uri="{BB962C8B-B14F-4D97-AF65-F5344CB8AC3E}">
-        <p14:creationId xmlns:p14="http://schemas.microsoft.com/office/powerpoint/2010/main" val="2819770974"/>
-      </p:ext>
-    </p:extLst>
   </p:cSld>
   <p:clrMapOvr>
     <a:masterClrMapping/>
   </p:clrMapOvr>
-  <p:transition/>
+  <mc:AlternateContent xmlns:mc="http://schemas.openxmlformats.org/markup-compatibility/2006">
+    <mc:Choice xmlns:p14="http://schemas.microsoft.com/office/powerpoint/2010/main" Requires="p14">
+      <p:transition xmlns:mc="http://schemas.openxmlformats.org/markup-compatibility/2006" xmlns:p14="http://schemas.microsoft.com/office/powerpoint/2010/main" mc:Ignorable="p14" p14:dur="500"/>
+    </mc:Choice>
+    <mc:Fallback>
+      <p:transition/>
+    </mc:Fallback>
+  </mc:AlternateContent>
 </p:sld>
 </file>
 
@@ -11564,44 +11527,44 @@
 </file>
 
 <file path=ppt/theme/theme1.xml><?xml version="1.0" encoding="utf-8"?>
-<a:theme xmlns:a="http://schemas.openxmlformats.org/drawingml/2006/main" name="3_Office 테마">
+<a:theme xmlns:r="http://schemas.openxmlformats.org/officeDocument/2006/relationships" xmlns:c="http://schemas.openxmlformats.org/drawingml/2006/chart" xmlns:dgm="http://schemas.openxmlformats.org/drawingml/2006/diagram" xmlns:dsp="http://schemas.microsoft.com/office/drawing/2008/diagram" xmlns:a="http://schemas.openxmlformats.org/drawingml/2006/main" xmlns:pic="http://schemas.openxmlformats.org/drawingml/2006/picture" xmlns:wp="http://schemas.openxmlformats.org/drawingml/2006/wordprocessingDrawing" xmlns:xdr="http://schemas.openxmlformats.org/drawingml/2006/spreadsheetDrawing" xmlns:lc="http://schemas.openxmlformats.org/drawingml/2006/lockedCanvas" xmlns:p="http://schemas.openxmlformats.org/presentationml/2006/main" name="3_Office 테마">
   <a:themeElements>
     <a:clrScheme name="Office 테마">
       <a:dk1>
         <a:sysClr val="windowText" lastClr="000000"/>
       </a:dk1>
       <a:lt1>
-        <a:sysClr val="window" lastClr="FFFFFF"/>
+        <a:sysClr val="window" lastClr="ffffff"/>
       </a:lt1>
       <a:dk2>
-        <a:srgbClr val="44546A"/>
+        <a:srgbClr val="44546a"/>
       </a:dk2>
       <a:lt2>
-        <a:srgbClr val="E7E6E6"/>
+        <a:srgbClr val="e7e6e6"/>
       </a:lt2>
       <a:accent1>
-        <a:srgbClr val="5B9BD5"/>
+        <a:srgbClr val="5b9bd5"/>
       </a:accent1>
       <a:accent2>
-        <a:srgbClr val="ED7D31"/>
+        <a:srgbClr val="ed7d31"/>
       </a:accent2>
       <a:accent3>
-        <a:srgbClr val="A5A5A5"/>
+        <a:srgbClr val="a5a5a5"/>
       </a:accent3>
       <a:accent4>
-        <a:srgbClr val="FFC000"/>
+        <a:srgbClr val="ffc000"/>
       </a:accent4>
       <a:accent5>
-        <a:srgbClr val="4472C4"/>
+        <a:srgbClr val="4472c4"/>
       </a:accent5>
       <a:accent6>
-        <a:srgbClr val="70AD47"/>
+        <a:srgbClr val="70ad47"/>
       </a:accent6>
       <a:hlink>
-        <a:srgbClr val="0563C1"/>
+        <a:srgbClr val="0563c1"/>
       </a:hlink>
       <a:folHlink>
-        <a:srgbClr val="954F72"/>
+        <a:srgbClr val="954f72"/>
       </a:folHlink>
     </a:clrScheme>
     <a:fontScheme name="Office 테마">
@@ -11609,9 +11572,9 @@
         <a:latin typeface="Calibri Light"/>
         <a:ea typeface=""/>
         <a:cs typeface=""/>
-        <a:font script="Jpan" typeface="ＭＳ Ｐゴシック"/>
+        <a:font script="Jpan" typeface="MS PGothic"/>
         <a:font script="Hang" typeface="맑은 고딕"/>
-        <a:font script="Hans" typeface="宋体"/>
+        <a:font script="Hans" typeface="SimSun"/>
         <a:font script="Hant" typeface="新細明體"/>
         <a:font script="Arab" typeface="Times New Roman"/>
         <a:font script="Hebr" typeface="Times New Roman"/>
@@ -11644,9 +11607,9 @@
         <a:latin typeface="Calibri"/>
         <a:ea typeface=""/>
         <a:cs typeface=""/>
-        <a:font script="Jpan" typeface="ＭＳ Ｐゴシック"/>
+        <a:font script="Jpan" typeface="MS PGothic"/>
         <a:font script="Hang" typeface="맑은 고딕"/>
-        <a:font script="Hans" typeface="宋体"/>
+        <a:font script="Hans" typeface="SimSun"/>
         <a:font script="Hant" typeface="新細明體"/>
         <a:font script="Arab" typeface="Arial"/>
         <a:font script="Hebr" typeface="Arial"/>
@@ -11814,47 +11777,45 @@
       </a:bgFillStyleLst>
     </a:fmtScheme>
   </a:themeElements>
-  <a:objectDefaults/>
-  <a:extraClrSchemeLst/>
 </a:theme>
 </file>
 
 <file path=ppt/theme/theme2.xml><?xml version="1.0" encoding="utf-8"?>
-<a:theme xmlns:a="http://schemas.openxmlformats.org/drawingml/2006/main" name="Office 테마">
+<a:theme xmlns:r="http://schemas.openxmlformats.org/officeDocument/2006/relationships" xmlns:c="http://schemas.openxmlformats.org/drawingml/2006/chart" xmlns:dgm="http://schemas.openxmlformats.org/drawingml/2006/diagram" xmlns:dsp="http://schemas.microsoft.com/office/drawing/2008/diagram" xmlns:a="http://schemas.openxmlformats.org/drawingml/2006/main" xmlns:pic="http://schemas.openxmlformats.org/drawingml/2006/picture" xmlns:wp="http://schemas.openxmlformats.org/drawingml/2006/wordprocessingDrawing" xmlns:xdr="http://schemas.openxmlformats.org/drawingml/2006/spreadsheetDrawing" xmlns:lc="http://schemas.openxmlformats.org/drawingml/2006/lockedCanvas" xmlns:p="http://schemas.openxmlformats.org/presentationml/2006/main" name="Office 테마">
   <a:themeElements>
     <a:clrScheme name="Office">
       <a:dk1>
         <a:sysClr val="windowText" lastClr="000000"/>
       </a:dk1>
       <a:lt1>
-        <a:sysClr val="window" lastClr="FFFFFF"/>
+        <a:sysClr val="window" lastClr="ffffff"/>
       </a:lt1>
       <a:dk2>
-        <a:srgbClr val="1F497D"/>
+        <a:srgbClr val="1f497d"/>
       </a:dk2>
       <a:lt2>
-        <a:srgbClr val="EEECE1"/>
+        <a:srgbClr val="eeece1"/>
       </a:lt2>
       <a:accent1>
-        <a:srgbClr val="4F81BD"/>
+        <a:srgbClr val="4f81bd"/>
       </a:accent1>
       <a:accent2>
-        <a:srgbClr val="C0504D"/>
+        <a:srgbClr val="c0504d"/>
       </a:accent2>
       <a:accent3>
-        <a:srgbClr val="9BBB59"/>
+        <a:srgbClr val="9bbb59"/>
       </a:accent3>
       <a:accent4>
-        <a:srgbClr val="8064A2"/>
+        <a:srgbClr val="8064a2"/>
       </a:accent4>
       <a:accent5>
-        <a:srgbClr val="4BACC6"/>
+        <a:srgbClr val="4bacc6"/>
       </a:accent5>
       <a:accent6>
-        <a:srgbClr val="F79646"/>
+        <a:srgbClr val="f79646"/>
       </a:accent6>
       <a:hlink>
-        <a:srgbClr val="0000FF"/>
+        <a:srgbClr val="0000ff"/>
       </a:hlink>
       <a:folHlink>
         <a:srgbClr val="800080"/>
@@ -11865,9 +11826,9 @@
         <a:latin typeface="맑은 고딕"/>
         <a:ea typeface=""/>
         <a:cs typeface=""/>
-        <a:font script="Jpan" typeface="ＭＳ Ｐゴシック"/>
+        <a:font script="Jpan" typeface="MS PGothic"/>
         <a:font script="Hang" typeface="맑은 고딕"/>
-        <a:font script="Hans" typeface="宋体"/>
+        <a:font script="Hans" typeface="SimSun"/>
         <a:font script="Hant" typeface="新細明體"/>
         <a:font script="Arab" typeface="Times New Roman"/>
         <a:font script="Hebr" typeface="Times New Roman"/>
@@ -11900,9 +11861,9 @@
         <a:latin typeface="맑은 고딕"/>
         <a:ea typeface=""/>
         <a:cs typeface=""/>
-        <a:font script="Jpan" typeface="ＭＳ Ｐゴシック"/>
+        <a:font script="Jpan" typeface="MS PGothic"/>
         <a:font script="Hang" typeface="맑은 고딕"/>
-        <a:font script="Hans" typeface="宋体"/>
+        <a:font script="Hans" typeface="SimSun"/>
         <a:font script="Hant" typeface="新細明體"/>
         <a:font script="Arab" typeface="Arial"/>
         <a:font script="Hebr" typeface="Arial"/>
@@ -12088,7 +12049,5 @@
       </a:bgFillStyleLst>
     </a:fmtScheme>
   </a:themeElements>
-  <a:objectDefaults/>
-  <a:extraClrSchemeLst/>
 </a:theme>
 </file>